--- a/IMAGES/Portfolio Image Building.pptx
+++ b/IMAGES/Portfolio Image Building.pptx
@@ -199,7 +199,7 @@
           <a:p>
             <a:fld id="{A8FA68DC-6414-1D43-A1D5-95D39466C03E}" type="datetimeFigureOut">
               <a:rPr lang="en-US" smtClean="0"/>
-              <a:t>6/4/21</a:t>
+              <a:t>12/1/22</a:t>
             </a:fld>
             <a:endParaRPr lang="en-US"/>
           </a:p>
@@ -697,7 +697,7 @@
           <a:p>
             <a:fld id="{7666E6AF-17A1-B147-BCE9-FFAD97987470}" type="datetimeFigureOut">
               <a:rPr lang="en-US" smtClean="0"/>
-              <a:t>6/4/21</a:t>
+              <a:t>12/1/22</a:t>
             </a:fld>
             <a:endParaRPr lang="en-US"/>
           </a:p>
@@ -895,7 +895,7 @@
           <a:p>
             <a:fld id="{7666E6AF-17A1-B147-BCE9-FFAD97987470}" type="datetimeFigureOut">
               <a:rPr lang="en-US" smtClean="0"/>
-              <a:t>6/4/21</a:t>
+              <a:t>12/1/22</a:t>
             </a:fld>
             <a:endParaRPr lang="en-US"/>
           </a:p>
@@ -1103,7 +1103,7 @@
           <a:p>
             <a:fld id="{7666E6AF-17A1-B147-BCE9-FFAD97987470}" type="datetimeFigureOut">
               <a:rPr lang="en-US" smtClean="0"/>
-              <a:t>6/4/21</a:t>
+              <a:t>12/1/22</a:t>
             </a:fld>
             <a:endParaRPr lang="en-US"/>
           </a:p>
@@ -1301,7 +1301,7 @@
           <a:p>
             <a:fld id="{7666E6AF-17A1-B147-BCE9-FFAD97987470}" type="datetimeFigureOut">
               <a:rPr lang="en-US" smtClean="0"/>
-              <a:t>6/4/21</a:t>
+              <a:t>12/1/22</a:t>
             </a:fld>
             <a:endParaRPr lang="en-US"/>
           </a:p>
@@ -1576,7 +1576,7 @@
           <a:p>
             <a:fld id="{7666E6AF-17A1-B147-BCE9-FFAD97987470}" type="datetimeFigureOut">
               <a:rPr lang="en-US" smtClean="0"/>
-              <a:t>6/4/21</a:t>
+              <a:t>12/1/22</a:t>
             </a:fld>
             <a:endParaRPr lang="en-US"/>
           </a:p>
@@ -1841,7 +1841,7 @@
           <a:p>
             <a:fld id="{7666E6AF-17A1-B147-BCE9-FFAD97987470}" type="datetimeFigureOut">
               <a:rPr lang="en-US" smtClean="0"/>
-              <a:t>6/4/21</a:t>
+              <a:t>12/1/22</a:t>
             </a:fld>
             <a:endParaRPr lang="en-US"/>
           </a:p>
@@ -2253,7 +2253,7 @@
           <a:p>
             <a:fld id="{7666E6AF-17A1-B147-BCE9-FFAD97987470}" type="datetimeFigureOut">
               <a:rPr lang="en-US" smtClean="0"/>
-              <a:t>6/4/21</a:t>
+              <a:t>12/1/22</a:t>
             </a:fld>
             <a:endParaRPr lang="en-US"/>
           </a:p>
@@ -2394,7 +2394,7 @@
           <a:p>
             <a:fld id="{7666E6AF-17A1-B147-BCE9-FFAD97987470}" type="datetimeFigureOut">
               <a:rPr lang="en-US" smtClean="0"/>
-              <a:t>6/4/21</a:t>
+              <a:t>12/1/22</a:t>
             </a:fld>
             <a:endParaRPr lang="en-US"/>
           </a:p>
@@ -2507,7 +2507,7 @@
           <a:p>
             <a:fld id="{7666E6AF-17A1-B147-BCE9-FFAD97987470}" type="datetimeFigureOut">
               <a:rPr lang="en-US" smtClean="0"/>
-              <a:t>6/4/21</a:t>
+              <a:t>12/1/22</a:t>
             </a:fld>
             <a:endParaRPr lang="en-US"/>
           </a:p>
@@ -2818,7 +2818,7 @@
           <a:p>
             <a:fld id="{7666E6AF-17A1-B147-BCE9-FFAD97987470}" type="datetimeFigureOut">
               <a:rPr lang="en-US" smtClean="0"/>
-              <a:t>6/4/21</a:t>
+              <a:t>12/1/22</a:t>
             </a:fld>
             <a:endParaRPr lang="en-US"/>
           </a:p>
@@ -3106,7 +3106,7 @@
           <a:p>
             <a:fld id="{7666E6AF-17A1-B147-BCE9-FFAD97987470}" type="datetimeFigureOut">
               <a:rPr lang="en-US" smtClean="0"/>
-              <a:t>6/4/21</a:t>
+              <a:t>12/1/22</a:t>
             </a:fld>
             <a:endParaRPr lang="en-US"/>
           </a:p>
@@ -3347,7 +3347,7 @@
           <a:p>
             <a:fld id="{7666E6AF-17A1-B147-BCE9-FFAD97987470}" type="datetimeFigureOut">
               <a:rPr lang="en-US" smtClean="0"/>
-              <a:t>6/4/21</a:t>
+              <a:t>12/1/22</a:t>
             </a:fld>
             <a:endParaRPr lang="en-US"/>
           </a:p>
@@ -3775,36 +3775,6 @@
           <a:chExt cx="0" cy="0"/>
         </a:xfrm>
       </p:grpSpPr>
-      <p:pic>
-        <p:nvPicPr>
-          <p:cNvPr id="5" name="Picture 4" descr="A person with long hair&#10;&#10;Description automatically generated with low confidence">
-            <a:extLst>
-              <a:ext uri="{FF2B5EF4-FFF2-40B4-BE49-F238E27FC236}">
-                <a16:creationId xmlns:a16="http://schemas.microsoft.com/office/drawing/2014/main" id="{DF8D4691-5D68-8F4B-B2C0-0554CCC2ECB5}"/>
-              </a:ext>
-            </a:extLst>
-          </p:cNvPr>
-          <p:cNvPicPr>
-            <a:picLocks noChangeAspect="1"/>
-          </p:cNvPicPr>
-          <p:nvPr/>
-        </p:nvPicPr>
-        <p:blipFill>
-          <a:blip r:embed="rId3"/>
-          <a:stretch>
-            <a:fillRect/>
-          </a:stretch>
-        </p:blipFill>
-        <p:spPr>
-          <a:xfrm>
-            <a:off x="6747641" y="1082564"/>
-            <a:ext cx="4627704" cy="4666593"/>
-          </a:xfrm>
-          <a:prstGeom prst="rect">
-            <a:avLst/>
-          </a:prstGeom>
-        </p:spPr>
-      </p:pic>
       <p:sp>
         <p:nvSpPr>
           <p:cNvPr id="6" name="Rectangle 5">
@@ -3857,6 +3827,36 @@
           </a:p>
         </p:txBody>
       </p:sp>
+      <p:pic>
+        <p:nvPicPr>
+          <p:cNvPr id="2" name="Picture 1">
+            <a:extLst>
+              <a:ext uri="{FF2B5EF4-FFF2-40B4-BE49-F238E27FC236}">
+                <a16:creationId xmlns:a16="http://schemas.microsoft.com/office/drawing/2014/main" id="{B5ABCA33-32FB-BF53-7CC1-DE6548770B29}"/>
+              </a:ext>
+            </a:extLst>
+          </p:cNvPr>
+          <p:cNvPicPr>
+            <a:picLocks noChangeAspect="1"/>
+          </p:cNvPicPr>
+          <p:nvPr/>
+        </p:nvPicPr>
+        <p:blipFill>
+          <a:blip r:embed="rId3"/>
+          <a:stretch>
+            <a:fillRect/>
+          </a:stretch>
+        </p:blipFill>
+        <p:spPr>
+          <a:xfrm>
+            <a:off x="6943412" y="769922"/>
+            <a:ext cx="4338482" cy="5312900"/>
+          </a:xfrm>
+          <a:prstGeom prst="rect">
+            <a:avLst/>
+          </a:prstGeom>
+        </p:spPr>
+      </p:pic>
     </p:spTree>
     <p:extLst>
       <p:ext uri="{BB962C8B-B14F-4D97-AF65-F5344CB8AC3E}">
@@ -4029,10 +4029,10 @@
       </p:grpSpPr>
       <p:pic>
         <p:nvPicPr>
-          <p:cNvPr id="5" name="Picture 4" descr="A person smiling for the camera&#10;&#10;Description automatically generated with low confidence">
-            <a:extLst>
-              <a:ext uri="{FF2B5EF4-FFF2-40B4-BE49-F238E27FC236}">
-                <a16:creationId xmlns:a16="http://schemas.microsoft.com/office/drawing/2014/main" id="{D76F3149-85CD-ED49-8E28-68AC8A51401C}"/>
+          <p:cNvPr id="2" name="Picture 1">
+            <a:extLst>
+              <a:ext uri="{FF2B5EF4-FFF2-40B4-BE49-F238E27FC236}">
+                <a16:creationId xmlns:a16="http://schemas.microsoft.com/office/drawing/2014/main" id="{105572AF-5325-BCB2-0E9F-4FEE36688848}"/>
               </a:ext>
             </a:extLst>
           </p:cNvPr>
@@ -4049,8 +4049,8 @@
         </p:blipFill>
         <p:spPr>
           <a:xfrm>
-            <a:off x="3689350" y="635000"/>
-            <a:ext cx="4813300" cy="5588000"/>
+            <a:off x="6943412" y="769922"/>
+            <a:ext cx="4338482" cy="5312900"/>
           </a:xfrm>
           <a:prstGeom prst="rect">
             <a:avLst/>
